--- a/E-Learning-Rendszer.pptx
+++ b/E-Learning-Rendszer.pptx
@@ -110,6 +110,11 @@
       </a:defRPr>
     </a:lvl9pPr>
   </p:defaultTextStyle>
+  <p:extLst>
+    <p:ext uri="{EFAFB233-063F-42B5-8137-9DF3F51BA10A}">
+      <p15:sldGuideLst xmlns:p15="http://schemas.microsoft.com/office/powerpoint/2012/main"/>
+    </p:ext>
+  </p:extLst>
 </p:presentation>
 </file>
 
@@ -260,7 +265,7 @@
           <a:p>
             <a:fld id="{A7417F1F-7C17-49A4-9CDF-5EEDE0DAA84F}" type="datetimeFigureOut">
               <a:rPr lang="hu-HU" smtClean="0"/>
-              <a:t>2024. 11. 17.</a:t>
+              <a:t>2024. 11. 18.</a:t>
             </a:fld>
             <a:endParaRPr lang="hu-HU"/>
           </a:p>
@@ -458,7 +463,7 @@
           <a:p>
             <a:fld id="{A7417F1F-7C17-49A4-9CDF-5EEDE0DAA84F}" type="datetimeFigureOut">
               <a:rPr lang="hu-HU" smtClean="0"/>
-              <a:t>2024. 11. 17.</a:t>
+              <a:t>2024. 11. 18.</a:t>
             </a:fld>
             <a:endParaRPr lang="hu-HU"/>
           </a:p>
@@ -666,7 +671,7 @@
           <a:p>
             <a:fld id="{A7417F1F-7C17-49A4-9CDF-5EEDE0DAA84F}" type="datetimeFigureOut">
               <a:rPr lang="hu-HU" smtClean="0"/>
-              <a:t>2024. 11. 17.</a:t>
+              <a:t>2024. 11. 18.</a:t>
             </a:fld>
             <a:endParaRPr lang="hu-HU"/>
           </a:p>
@@ -864,7 +869,7 @@
           <a:p>
             <a:fld id="{A7417F1F-7C17-49A4-9CDF-5EEDE0DAA84F}" type="datetimeFigureOut">
               <a:rPr lang="hu-HU" smtClean="0"/>
-              <a:t>2024. 11. 17.</a:t>
+              <a:t>2024. 11. 18.</a:t>
             </a:fld>
             <a:endParaRPr lang="hu-HU"/>
           </a:p>
@@ -1139,7 +1144,7 @@
           <a:p>
             <a:fld id="{A7417F1F-7C17-49A4-9CDF-5EEDE0DAA84F}" type="datetimeFigureOut">
               <a:rPr lang="hu-HU" smtClean="0"/>
-              <a:t>2024. 11. 17.</a:t>
+              <a:t>2024. 11. 18.</a:t>
             </a:fld>
             <a:endParaRPr lang="hu-HU"/>
           </a:p>
@@ -1404,7 +1409,7 @@
           <a:p>
             <a:fld id="{A7417F1F-7C17-49A4-9CDF-5EEDE0DAA84F}" type="datetimeFigureOut">
               <a:rPr lang="hu-HU" smtClean="0"/>
-              <a:t>2024. 11. 17.</a:t>
+              <a:t>2024. 11. 18.</a:t>
             </a:fld>
             <a:endParaRPr lang="hu-HU"/>
           </a:p>
@@ -1816,7 +1821,7 @@
           <a:p>
             <a:fld id="{A7417F1F-7C17-49A4-9CDF-5EEDE0DAA84F}" type="datetimeFigureOut">
               <a:rPr lang="hu-HU" smtClean="0"/>
-              <a:t>2024. 11. 17.</a:t>
+              <a:t>2024. 11. 18.</a:t>
             </a:fld>
             <a:endParaRPr lang="hu-HU"/>
           </a:p>
@@ -1957,7 +1962,7 @@
           <a:p>
             <a:fld id="{A7417F1F-7C17-49A4-9CDF-5EEDE0DAA84F}" type="datetimeFigureOut">
               <a:rPr lang="hu-HU" smtClean="0"/>
-              <a:t>2024. 11. 17.</a:t>
+              <a:t>2024. 11. 18.</a:t>
             </a:fld>
             <a:endParaRPr lang="hu-HU"/>
           </a:p>
@@ -2070,7 +2075,7 @@
           <a:p>
             <a:fld id="{A7417F1F-7C17-49A4-9CDF-5EEDE0DAA84F}" type="datetimeFigureOut">
               <a:rPr lang="hu-HU" smtClean="0"/>
-              <a:t>2024. 11. 17.</a:t>
+              <a:t>2024. 11. 18.</a:t>
             </a:fld>
             <a:endParaRPr lang="hu-HU"/>
           </a:p>
@@ -2381,7 +2386,7 @@
           <a:p>
             <a:fld id="{A7417F1F-7C17-49A4-9CDF-5EEDE0DAA84F}" type="datetimeFigureOut">
               <a:rPr lang="hu-HU" smtClean="0"/>
-              <a:t>2024. 11. 17.</a:t>
+              <a:t>2024. 11. 18.</a:t>
             </a:fld>
             <a:endParaRPr lang="hu-HU"/>
           </a:p>
@@ -2669,7 +2674,7 @@
           <a:p>
             <a:fld id="{A7417F1F-7C17-49A4-9CDF-5EEDE0DAA84F}" type="datetimeFigureOut">
               <a:rPr lang="hu-HU" smtClean="0"/>
-              <a:t>2024. 11. 17.</a:t>
+              <a:t>2024. 11. 18.</a:t>
             </a:fld>
             <a:endParaRPr lang="hu-HU"/>
           </a:p>
@@ -2910,7 +2915,7 @@
           <a:p>
             <a:fld id="{A7417F1F-7C17-49A4-9CDF-5EEDE0DAA84F}" type="datetimeFigureOut">
               <a:rPr lang="hu-HU" smtClean="0"/>
-              <a:t>2024. 11. 17.</a:t>
+              <a:t>2024. 11. 18.</a:t>
             </a:fld>
             <a:endParaRPr lang="hu-HU"/>
           </a:p>
@@ -3461,6 +3466,13 @@
   <p:clrMapOvr>
     <a:masterClrMapping/>
   </p:clrMapOvr>
+  <p:timing>
+    <p:tnLst>
+      <p:par>
+        <p:cTn id="1" dur="indefinite" restart="never" nodeType="tmRoot"/>
+      </p:par>
+    </p:tnLst>
+  </p:timing>
 </p:sld>
 </file>
 
@@ -3903,13 +3915,13 @@
   <p:clrMapOvr>
     <a:masterClrMapping/>
   </p:clrMapOvr>
-  <mc:AlternateContent xmlns:mc="http://schemas.openxmlformats.org/markup-compatibility/2006">
-    <mc:Choice xmlns:p159="http://schemas.microsoft.com/office/powerpoint/2015/09/main" Requires="p159">
+  <mc:AlternateContent xmlns:mc="http://schemas.openxmlformats.org/markup-compatibility/2006" xmlns:p159="http://schemas.microsoft.com/office/powerpoint/2015/09/main">
+    <mc:Choice Requires="p159">
       <p:transition spd="slow">
         <p159:morph option="byObject"/>
       </p:transition>
     </mc:Choice>
-    <mc:Fallback>
+    <mc:Fallback xmlns="">
       <p:transition spd="slow">
         <p:fade/>
       </p:transition>
@@ -4683,18 +4695,25 @@
   <p:clrMapOvr>
     <a:masterClrMapping/>
   </p:clrMapOvr>
-  <mc:AlternateContent xmlns:mc="http://schemas.openxmlformats.org/markup-compatibility/2006">
-    <mc:Choice xmlns:p159="http://schemas.microsoft.com/office/powerpoint/2015/09/main" Requires="p159">
+  <mc:AlternateContent xmlns:mc="http://schemas.openxmlformats.org/markup-compatibility/2006" xmlns:p159="http://schemas.microsoft.com/office/powerpoint/2015/09/main">
+    <mc:Choice Requires="p159">
       <p:transition spd="slow">
         <p159:morph option="byObject"/>
       </p:transition>
     </mc:Choice>
-    <mc:Fallback>
+    <mc:Fallback xmlns="">
       <p:transition spd="slow">
         <p:fade/>
       </p:transition>
     </mc:Fallback>
   </mc:AlternateContent>
+  <p:timing>
+    <p:tnLst>
+      <p:par>
+        <p:cTn id="1" dur="indefinite" restart="never" nodeType="tmRoot"/>
+      </p:par>
+    </p:tnLst>
+  </p:timing>
 </p:sld>
 </file>
 
@@ -5512,13 +5531,13 @@
   <p:clrMapOvr>
     <a:masterClrMapping/>
   </p:clrMapOvr>
-  <mc:AlternateContent xmlns:mc="http://schemas.openxmlformats.org/markup-compatibility/2006">
-    <mc:Choice xmlns:p159="http://schemas.microsoft.com/office/powerpoint/2015/09/main" Requires="p159">
+  <mc:AlternateContent xmlns:mc="http://schemas.openxmlformats.org/markup-compatibility/2006" xmlns:p159="http://schemas.microsoft.com/office/powerpoint/2015/09/main">
+    <mc:Choice Requires="p159">
       <p:transition spd="slow">
         <p159:morph option="byObject"/>
       </p:transition>
     </mc:Choice>
-    <mc:Fallback>
+    <mc:Fallback xmlns="">
       <p:transition spd="slow">
         <p:fade/>
       </p:transition>
@@ -6584,10 +6603,10 @@
       </p:sp>
       <p:pic>
         <p:nvPicPr>
-          <p:cNvPr id="29" name="Kép 28">
-            <a:extLst>
-              <a:ext uri="{FF2B5EF4-FFF2-40B4-BE49-F238E27FC236}">
-                <a16:creationId xmlns:a16="http://schemas.microsoft.com/office/drawing/2014/main" id="{851A3DA7-4602-7159-D4EB-DCAC3168B98D}"/>
+          <p:cNvPr id="37" name="Kép 36">
+            <a:extLst>
+              <a:ext uri="{FF2B5EF4-FFF2-40B4-BE49-F238E27FC236}">
+                <a16:creationId xmlns:a16="http://schemas.microsoft.com/office/drawing/2014/main" id="{EDC54F6D-A3F4-8BB7-1F66-A36E0BFE9CD0}"/>
               </a:ext>
             </a:extLst>
           </p:cNvPr>
@@ -6598,36 +6617,6 @@
         </p:nvPicPr>
         <p:blipFill>
           <a:blip r:embed="rId2"/>
-          <a:stretch>
-            <a:fillRect/>
-          </a:stretch>
-        </p:blipFill>
-        <p:spPr>
-          <a:xfrm>
-            <a:off x="3125164" y="2768568"/>
-            <a:ext cx="7569758" cy="3420000"/>
-          </a:xfrm>
-          <a:prstGeom prst="rect">
-            <a:avLst/>
-          </a:prstGeom>
-        </p:spPr>
-      </p:pic>
-      <p:pic>
-        <p:nvPicPr>
-          <p:cNvPr id="37" name="Kép 36">
-            <a:extLst>
-              <a:ext uri="{FF2B5EF4-FFF2-40B4-BE49-F238E27FC236}">
-                <a16:creationId xmlns:a16="http://schemas.microsoft.com/office/drawing/2014/main" id="{EDC54F6D-A3F4-8BB7-1F66-A36E0BFE9CD0}"/>
-              </a:ext>
-            </a:extLst>
-          </p:cNvPr>
-          <p:cNvPicPr>
-            <a:picLocks noChangeAspect="1"/>
-          </p:cNvPicPr>
-          <p:nvPr/>
-        </p:nvPicPr>
-        <p:blipFill>
-          <a:blip r:embed="rId3"/>
           <a:stretch>
             <a:fillRect/>
           </a:stretch>
@@ -6657,7 +6646,7 @@
           <p:nvPr/>
         </p:nvPicPr>
         <p:blipFill>
-          <a:blip r:embed="rId4"/>
+          <a:blip r:embed="rId3"/>
           <a:stretch>
             <a:fillRect/>
           </a:stretch>
@@ -6682,13 +6671,13 @@
   <p:clrMapOvr>
     <a:masterClrMapping/>
   </p:clrMapOvr>
-  <mc:AlternateContent xmlns:mc="http://schemas.openxmlformats.org/markup-compatibility/2006">
-    <mc:Choice xmlns:p159="http://schemas.microsoft.com/office/powerpoint/2015/09/main" Requires="p159">
+  <mc:AlternateContent xmlns:mc="http://schemas.openxmlformats.org/markup-compatibility/2006" xmlns:p159="http://schemas.microsoft.com/office/powerpoint/2015/09/main">
+    <mc:Choice Requires="p159">
       <p:transition spd="slow">
         <p159:morph option="byObject"/>
       </p:transition>
     </mc:Choice>
-    <mc:Fallback>
+    <mc:Fallback xmlns="">
       <p:transition spd="slow">
         <p:fade/>
       </p:transition>
@@ -6728,7 +6717,7 @@
                                           </p:stCondLst>
                                         </p:cTn>
                                         <p:tgtEl>
-                                          <p:spTgt spid="29"/>
+                                          <p:spTgt spid="37"/>
                                         </p:tgtEl>
                                         <p:attrNameLst>
                                           <p:attrName>style.visibility</p:attrName>
@@ -6742,7 +6731,7 @@
                                       <p:cBhvr>
                                         <p:cTn id="7" dur="500"/>
                                         <p:tgtEl>
-                                          <p:spTgt spid="29"/>
+                                          <p:spTgt spid="37"/>
                                         </p:tgtEl>
                                       </p:cBhvr>
                                     </p:animEffect>
@@ -6781,7 +6770,7 @@
                                           </p:stCondLst>
                                         </p:cTn>
                                         <p:tgtEl>
-                                          <p:spTgt spid="37"/>
+                                          <p:spTgt spid="39"/>
                                         </p:tgtEl>
                                         <p:attrNameLst>
                                           <p:attrName>style.visibility</p:attrName>
@@ -6794,59 +6783,6 @@
                                     <p:animEffect transition="in" filter="fade">
                                       <p:cBhvr>
                                         <p:cTn id="12" dur="500"/>
-                                        <p:tgtEl>
-                                          <p:spTgt spid="37"/>
-                                        </p:tgtEl>
-                                      </p:cBhvr>
-                                    </p:animEffect>
-                                  </p:childTnLst>
-                                </p:cTn>
-                              </p:par>
-                            </p:childTnLst>
-                          </p:cTn>
-                        </p:par>
-                      </p:childTnLst>
-                    </p:cTn>
-                  </p:par>
-                  <p:par>
-                    <p:cTn id="13" fill="hold">
-                      <p:stCondLst>
-                        <p:cond delay="indefinite"/>
-                      </p:stCondLst>
-                      <p:childTnLst>
-                        <p:par>
-                          <p:cTn id="14" fill="hold">
-                            <p:stCondLst>
-                              <p:cond delay="0"/>
-                            </p:stCondLst>
-                            <p:childTnLst>
-                              <p:par>
-                                <p:cTn id="15" presetID="10" presetClass="entr" presetSubtype="0" fill="hold" nodeType="clickEffect">
-                                  <p:stCondLst>
-                                    <p:cond delay="0"/>
-                                  </p:stCondLst>
-                                  <p:childTnLst>
-                                    <p:set>
-                                      <p:cBhvr>
-                                        <p:cTn id="16" dur="1" fill="hold">
-                                          <p:stCondLst>
-                                            <p:cond delay="0"/>
-                                          </p:stCondLst>
-                                        </p:cTn>
-                                        <p:tgtEl>
-                                          <p:spTgt spid="39"/>
-                                        </p:tgtEl>
-                                        <p:attrNameLst>
-                                          <p:attrName>style.visibility</p:attrName>
-                                        </p:attrNameLst>
-                                      </p:cBhvr>
-                                      <p:to>
-                                        <p:strVal val="visible"/>
-                                      </p:to>
-                                    </p:set>
-                                    <p:animEffect transition="in" filter="fade">
-                                      <p:cBhvr>
-                                        <p:cTn id="17" dur="500"/>
                                         <p:tgtEl>
                                           <p:spTgt spid="39"/>
                                         </p:tgtEl>
@@ -7681,13 +7617,13 @@
   <p:clrMapOvr>
     <a:masterClrMapping/>
   </p:clrMapOvr>
-  <mc:AlternateContent xmlns:mc="http://schemas.openxmlformats.org/markup-compatibility/2006">
-    <mc:Choice xmlns:p159="http://schemas.microsoft.com/office/powerpoint/2015/09/main" Requires="p159">
+  <mc:AlternateContent xmlns:mc="http://schemas.openxmlformats.org/markup-compatibility/2006" xmlns:p159="http://schemas.microsoft.com/office/powerpoint/2015/09/main">
+    <mc:Choice Requires="p159">
       <p:transition spd="slow">
         <p159:morph option="byObject"/>
       </p:transition>
     </mc:Choice>
-    <mc:Fallback>
+    <mc:Fallback xmlns="">
       <p:transition spd="slow">
         <p:fade/>
       </p:transition>
@@ -8415,13 +8351,13 @@
   <p:clrMapOvr>
     <a:masterClrMapping/>
   </p:clrMapOvr>
-  <mc:AlternateContent xmlns:mc="http://schemas.openxmlformats.org/markup-compatibility/2006">
-    <mc:Choice xmlns:p159="http://schemas.microsoft.com/office/powerpoint/2015/09/main" Requires="p159">
+  <mc:AlternateContent xmlns:mc="http://schemas.openxmlformats.org/markup-compatibility/2006" xmlns:p159="http://schemas.microsoft.com/office/powerpoint/2015/09/main">
+    <mc:Choice Requires="p159">
       <p:transition spd="slow">
         <p159:morph option="byObject"/>
       </p:transition>
     </mc:Choice>
-    <mc:Fallback>
+    <mc:Fallback xmlns="">
       <p:transition spd="slow">
         <p:fade/>
       </p:transition>
